--- a/SE401/Lectures/8-Integration, System and Regression Testing/Regression Testing.pptx
+++ b/SE401/Lectures/8-Integration, System and Regression Testing/Regression Testing.pptx
@@ -213,7 +213,7 @@
           <a:p>
             <a:fld id="{D425CA40-1F43-4B04-8119-24C4A91E8DF8}" type="datetimeFigureOut">
               <a:rPr lang="en-US" smtClean="0"/>
-              <a:t>11/28/2021</a:t>
+              <a:t>5/8/2022</a:t>
             </a:fld>
             <a:endParaRPr lang="en-US"/>
           </a:p>
@@ -1119,14 +1119,14 @@
           </a:ln>
           <a:extLst>
             <a:ext uri="{909E8E84-426E-40dd-AFC4-6F175D3DCCD1}">
-              <a14:hiddenFill xmlns:a14="http://schemas.microsoft.com/office/drawing/2010/main" xmlns="">
+              <a14:hiddenFill xmlns="" xmlns:a14="http://schemas.microsoft.com/office/drawing/2010/main">
                 <a:solidFill>
                   <a:srgbClr val="FFFFFF"/>
                 </a:solidFill>
               </a14:hiddenFill>
             </a:ext>
             <a:ext uri="{91240B29-F687-4f45-9708-019B960494DF}">
-              <a14:hiddenLine xmlns:a14="http://schemas.microsoft.com/office/drawing/2010/main" xmlns="" w="9525">
+              <a14:hiddenLine xmlns="" xmlns:a14="http://schemas.microsoft.com/office/drawing/2010/main" w="9525">
                 <a:solidFill>
                   <a:srgbClr val="000000"/>
                 </a:solidFill>
@@ -1425,14 +1425,14 @@
           </a:ln>
           <a:extLst>
             <a:ext uri="{909E8E84-426E-40dd-AFC4-6F175D3DCCD1}">
-              <a14:hiddenFill xmlns:a14="http://schemas.microsoft.com/office/drawing/2010/main" xmlns="">
+              <a14:hiddenFill xmlns="" xmlns:a14="http://schemas.microsoft.com/office/drawing/2010/main">
                 <a:solidFill>
                   <a:srgbClr val="FFFFFF"/>
                 </a:solidFill>
               </a14:hiddenFill>
             </a:ext>
             <a:ext uri="{91240B29-F687-4f45-9708-019B960494DF}">
-              <a14:hiddenLine xmlns:a14="http://schemas.microsoft.com/office/drawing/2010/main" xmlns="" w="9525">
+              <a14:hiddenLine xmlns="" xmlns:a14="http://schemas.microsoft.com/office/drawing/2010/main" w="9525">
                 <a:solidFill>
                   <a:srgbClr val="000000"/>
                 </a:solidFill>
@@ -1608,14 +1608,14 @@
           </a:ln>
           <a:extLst>
             <a:ext uri="{909E8E84-426E-40dd-AFC4-6F175D3DCCD1}">
-              <a14:hiddenFill xmlns:a14="http://schemas.microsoft.com/office/drawing/2010/main" xmlns="">
+              <a14:hiddenFill xmlns="" xmlns:a14="http://schemas.microsoft.com/office/drawing/2010/main">
                 <a:solidFill>
                   <a:srgbClr val="FFFFFF"/>
                 </a:solidFill>
               </a14:hiddenFill>
             </a:ext>
             <a:ext uri="{FAA26D3D-D897-4be2-8F04-BA451C77F1D7}">
-              <ma14:placeholderFlag xmlns:ma14="http://schemas.microsoft.com/office/mac/drawingml/2011/main" xmlns="" val="1"/>
+              <ma14:placeholderFlag xmlns="" xmlns:ma14="http://schemas.microsoft.com/office/mac/drawingml/2011/main" val="1"/>
             </a:ext>
           </a:extLst>
         </p:spPr>
@@ -1891,7 +1891,7 @@
           <a:p>
             <a:fld id="{1762ABB0-9C33-46E9-9040-C8DBD02A66D6}" type="datetime1">
               <a:rPr lang="en-US" smtClean="0"/>
-              <a:t>11/28/2021</a:t>
+              <a:t>5/8/2022</a:t>
             </a:fld>
             <a:endParaRPr lang="en-US"/>
           </a:p>
@@ -2142,7 +2142,7 @@
           <a:p>
             <a:fld id="{26274CFA-052A-439E-AC5D-EE8FECF7E6BA}" type="datetime1">
               <a:rPr lang="en-US" smtClean="0"/>
-              <a:t>11/28/2021</a:t>
+              <a:t>5/8/2022</a:t>
             </a:fld>
             <a:endParaRPr lang="en-US"/>
           </a:p>
@@ -2322,7 +2322,7 @@
           <a:p>
             <a:fld id="{D1FF16E3-1616-4A9B-A7D6-944F0DFE607D}" type="datetime1">
               <a:rPr lang="en-US" smtClean="0"/>
-              <a:t>11/28/2021</a:t>
+              <a:t>5/8/2022</a:t>
             </a:fld>
             <a:endParaRPr lang="en-US"/>
           </a:p>
@@ -2578,7 +2578,7 @@
           <a:p>
             <a:fld id="{9C461D4E-32B2-4A09-BDAF-A7DC31DCE015}" type="datetime1">
               <a:rPr lang="en-US" smtClean="0"/>
-              <a:t>11/28/2021</a:t>
+              <a:t>5/8/2022</a:t>
             </a:fld>
             <a:endParaRPr lang="en-US"/>
           </a:p>
@@ -2923,7 +2923,7 @@
           <a:p>
             <a:fld id="{C622A65B-DBEE-4B5D-ADD4-0408E6CF91BE}" type="datetime1">
               <a:rPr lang="en-US" smtClean="0"/>
-              <a:t>11/28/2021</a:t>
+              <a:t>5/8/2022</a:t>
             </a:fld>
             <a:endParaRPr lang="en-US"/>
           </a:p>
@@ -3155,7 +3155,7 @@
           <a:p>
             <a:fld id="{C1226FAB-BC71-46D6-8E60-B5EF709E6B3E}" type="datetime1">
               <a:rPr lang="en-US" smtClean="0"/>
-              <a:t>11/28/2021</a:t>
+              <a:t>5/8/2022</a:t>
             </a:fld>
             <a:endParaRPr lang="en-US"/>
           </a:p>
@@ -3522,7 +3522,7 @@
           <a:p>
             <a:fld id="{F0FAF8B4-0EEB-4BDD-9BE3-1BEAFFF7E104}" type="datetime1">
               <a:rPr lang="en-US" smtClean="0"/>
-              <a:t>11/28/2021</a:t>
+              <a:t>5/8/2022</a:t>
             </a:fld>
             <a:endParaRPr lang="en-US"/>
           </a:p>
@@ -3617,7 +3617,7 @@
           <a:p>
             <a:fld id="{4240C3B3-7017-414B-B631-5E70B539FFD9}" type="datetime1">
               <a:rPr lang="en-US" smtClean="0"/>
-              <a:t>11/28/2021</a:t>
+              <a:t>5/8/2022</a:t>
             </a:fld>
             <a:endParaRPr lang="en-US"/>
           </a:p>
@@ -3840,7 +3840,7 @@
             <a:fld id="{B2F5E2FA-C428-4CE7-95B0-168D3259A5BB}" type="datetimeFigureOut">
               <a:rPr lang="en-US" smtClean="0"/>
               <a:pPr/>
-              <a:t>11/28/2021</a:t>
+              <a:t>5/8/2022</a:t>
             </a:fld>
             <a:endParaRPr lang="en-US"/>
           </a:p>
@@ -4011,7 +4011,7 @@
           <a:p>
             <a:fld id="{3CE13EBE-9097-48AA-9B97-081EC0E6D47D}" type="datetime1">
               <a:rPr lang="en-US" smtClean="0"/>
-              <a:t>11/28/2021</a:t>
+              <a:t>5/8/2022</a:t>
             </a:fld>
             <a:endParaRPr lang="en-US"/>
           </a:p>
@@ -4288,7 +4288,7 @@
           <a:p>
             <a:fld id="{585DE9A9-5BCF-4A60-BFC6-07722981491A}" type="datetime1">
               <a:rPr lang="en-US" smtClean="0"/>
-              <a:t>11/28/2021</a:t>
+              <a:t>5/8/2022</a:t>
             </a:fld>
             <a:endParaRPr lang="en-US"/>
           </a:p>
@@ -4541,7 +4541,7 @@
           <a:p>
             <a:fld id="{7370B3F9-B1B5-4195-A66C-A530CF73F3EF}" type="datetime1">
               <a:rPr lang="en-US" smtClean="0"/>
-              <a:t>11/28/2021</a:t>
+              <a:t>5/8/2022</a:t>
             </a:fld>
             <a:endParaRPr lang="en-US"/>
           </a:p>
@@ -4754,7 +4754,7 @@
           <a:p>
             <a:fld id="{E3696B99-04BB-4AC7-ACA0-D38EC29DA974}" type="datetime1">
               <a:rPr lang="en-US" smtClean="0"/>
-              <a:t>11/28/2021</a:t>
+              <a:t>5/8/2022</a:t>
             </a:fld>
             <a:endParaRPr lang="en-US"/>
           </a:p>
@@ -5905,8 +5905,8 @@
         </p:nvSpPr>
         <p:spPr>
           <a:xfrm>
-            <a:off x="902208" y="1868424"/>
-            <a:ext cx="7371304" cy="4395216"/>
+            <a:off x="439947" y="1621766"/>
+            <a:ext cx="8002109" cy="4641874"/>
           </a:xfrm>
         </p:spPr>
         <p:txBody>
@@ -5974,14 +5974,14 @@
           </a:ln>
           <a:extLst>
             <a:ext uri="{909E8E84-426E-40dd-AFC4-6F175D3DCCD1}">
-              <a14:hiddenFill xmlns:a14="http://schemas.microsoft.com/office/drawing/2010/main" xmlns="">
+              <a14:hiddenFill xmlns="" xmlns:a14="http://schemas.microsoft.com/office/drawing/2010/main">
                 <a:solidFill>
                   <a:srgbClr val="FFFFFF"/>
                 </a:solidFill>
               </a14:hiddenFill>
             </a:ext>
             <a:ext uri="{91240B29-F687-4f45-9708-019B960494DF}">
-              <a14:hiddenLine xmlns:a14="http://schemas.microsoft.com/office/drawing/2010/main" xmlns="" w="9525">
+              <a14:hiddenLine xmlns="" xmlns:a14="http://schemas.microsoft.com/office/drawing/2010/main" w="9525">
                 <a:solidFill>
                   <a:srgbClr val="000000"/>
                 </a:solidFill>
@@ -6423,8 +6423,8 @@
         </p:nvSpPr>
         <p:spPr>
           <a:xfrm>
-            <a:off x="838200" y="1618488"/>
-            <a:ext cx="10515600" cy="4558475"/>
+            <a:off x="347527" y="1544128"/>
+            <a:ext cx="11006273" cy="4632835"/>
           </a:xfrm>
         </p:spPr>
         <p:txBody>
@@ -7189,8 +7189,8 @@
         </p:nvSpPr>
         <p:spPr>
           <a:xfrm>
-            <a:off x="838200" y="1690688"/>
-            <a:ext cx="10280904" cy="3987736"/>
+            <a:off x="422694" y="1587260"/>
+            <a:ext cx="10843404" cy="4091164"/>
           </a:xfrm>
         </p:spPr>
         <p:txBody>
@@ -7324,6 +7324,9 @@
             <a:endParaRPr lang="en-US" dirty="0" smtClean="0"/>
           </a:p>
           <a:p>
+            <a:endParaRPr lang="en-US" dirty="0" smtClean="0"/>
+          </a:p>
+          <a:p>
             <a:r>
               <a:rPr lang="en-US" dirty="0" smtClean="0"/>
               <a:t>Rerunning </a:t>
@@ -7503,7 +7506,7 @@
           <a:noFill/>
           <a:extLst>
             <a:ext uri="{909E8E84-426E-40dd-AFC4-6F175D3DCCD1}">
-              <a14:hiddenFill xmlns:a14="http://schemas.microsoft.com/office/drawing/2010/main" xmlns="">
+              <a14:hiddenFill xmlns="" xmlns:a14="http://schemas.microsoft.com/office/drawing/2010/main">
                 <a:solidFill>
                   <a:srgbClr val="FFFFFF"/>
                 </a:solidFill>
@@ -9050,14 +9053,14 @@
           </a:ln>
           <a:extLst>
             <a:ext uri="{909E8E84-426E-40dd-AFC4-6F175D3DCCD1}">
-              <a14:hiddenFill xmlns:a14="http://schemas.microsoft.com/office/drawing/2010/main" xmlns="">
+              <a14:hiddenFill xmlns="" xmlns:a14="http://schemas.microsoft.com/office/drawing/2010/main">
                 <a:solidFill>
                   <a:srgbClr val="FFFFFF"/>
                 </a:solidFill>
               </a14:hiddenFill>
             </a:ext>
             <a:ext uri="{91240B29-F687-4f45-9708-019B960494DF}">
-              <a14:hiddenLine xmlns:a14="http://schemas.microsoft.com/office/drawing/2010/main" xmlns="" w="9525">
+              <a14:hiddenLine xmlns="" xmlns:a14="http://schemas.microsoft.com/office/drawing/2010/main" w="9525">
                 <a:solidFill>
                   <a:srgbClr val="000000"/>
                 </a:solidFill>
